--- a/Meetings & Official Documents/20180611_Meeting15.pptx
+++ b/Meetings & Official Documents/20180611_Meeting15.pptx
@@ -5,7 +5,7 @@
     <p:sldMasterId id="2147483648" r:id="rId1"/>
   </p:sldMasterIdLst>
   <p:notesMasterIdLst>
-    <p:notesMasterId r:id="rId24"/>
+    <p:notesMasterId r:id="rId25"/>
   </p:notesMasterIdLst>
   <p:sldIdLst>
     <p:sldId id="256" r:id="rId2"/>
@@ -13,9 +13,9 @@
     <p:sldId id="258" r:id="rId4"/>
     <p:sldId id="272" r:id="rId5"/>
     <p:sldId id="273" r:id="rId6"/>
-    <p:sldId id="278" r:id="rId7"/>
-    <p:sldId id="276" r:id="rId8"/>
-    <p:sldId id="277" r:id="rId9"/>
+    <p:sldId id="276" r:id="rId7"/>
+    <p:sldId id="277" r:id="rId8"/>
+    <p:sldId id="278" r:id="rId9"/>
     <p:sldId id="274" r:id="rId10"/>
     <p:sldId id="271" r:id="rId11"/>
     <p:sldId id="259" r:id="rId12"/>
@@ -30,6 +30,7 @@
     <p:sldId id="268" r:id="rId21"/>
     <p:sldId id="269" r:id="rId22"/>
     <p:sldId id="270" r:id="rId23"/>
+    <p:sldId id="279" r:id="rId24"/>
   </p:sldIdLst>
   <p:sldSz cx="12192000" cy="6858000"/>
   <p:notesSz cx="6858000" cy="9144000"/>
@@ -128,6 +129,11 @@
       </a:defRPr>
     </a:lvl9pPr>
   </p:defaultTextStyle>
+  <p:extLst>
+    <p:ext uri="{EFAFB233-063F-42B5-8137-9DF3F51BA10A}">
+      <p15:sldGuideLst xmlns:p15="http://schemas.microsoft.com/office/powerpoint/2012/main"/>
+    </p:ext>
+  </p:extLst>
 </p:presentation>
 </file>
 
@@ -3919,14 +3925,14 @@
             </a:r>
             <a:r>
               <a:rPr lang="nl-BE" dirty="0"/>
-              <a:t> turbines?</a:t>
-            </a:r>
-            <a:br>
-              <a:rPr lang="nl-BE" dirty="0"/>
-            </a:br>
-            <a:r>
-              <a:rPr lang="nl-BE" dirty="0"/>
-              <a:t>(Error bar </a:t>
+              <a:t> turbines</a:t>
+            </a:r>
+          </a:p>
+          <a:p>
+            <a:pPr lvl="1"/>
+            <a:r>
+              <a:rPr lang="nl-BE" dirty="0"/>
+              <a:t>Error bar </a:t>
             </a:r>
             <a:r>
               <a:rPr lang="nl-BE" dirty="0" err="1"/>
@@ -3950,8 +3956,28 @@
             </a:r>
             <a:r>
               <a:rPr lang="nl-BE" dirty="0"/>
-              <a:t> power data?)</a:t>
-            </a:r>
+              <a:t> power data?</a:t>
+            </a:r>
+          </a:p>
+          <a:p>
+            <a:pPr lvl="1"/>
+            <a:r>
+              <a:rPr lang="nl-BE" dirty="0" err="1"/>
+              <a:t>Longer</a:t>
+            </a:r>
+            <a:r>
+              <a:rPr lang="nl-BE" dirty="0"/>
+              <a:t> </a:t>
+            </a:r>
+            <a:r>
+              <a:rPr lang="nl-BE" dirty="0" err="1"/>
+              <a:t>row</a:t>
+            </a:r>
+            <a:r>
+              <a:rPr lang="nl-BE"/>
+              <a:t>?</a:t>
+            </a:r>
+            <a:endParaRPr lang="nl-BE" dirty="0"/>
           </a:p>
         </p:txBody>
       </p:sp>
@@ -5161,8 +5187,8 @@
           </a:p>
         </p:txBody>
       </p:sp>
-      <mc:AlternateContent xmlns:mc="http://schemas.openxmlformats.org/markup-compatibility/2006">
-        <mc:Choice xmlns:a14="http://schemas.microsoft.com/office/drawing/2010/main" Requires="a14">
+      <mc:AlternateContent xmlns:mc="http://schemas.openxmlformats.org/markup-compatibility/2006" xmlns:a14="http://schemas.microsoft.com/office/drawing/2010/main">
+        <mc:Choice Requires="a14">
           <p:sp>
             <p:nvSpPr>
               <p:cNvPr id="3" name="Tijdelijke aanduiding voor inhoud 2">
@@ -5365,7 +5391,7 @@
             </p:txBody>
           </p:sp>
         </mc:Choice>
-        <mc:Fallback>
+        <mc:Fallback xmlns="">
           <p:sp>
             <p:nvSpPr>
               <p:cNvPr id="3" name="Tijdelijke aanduiding voor inhoud 2">
@@ -5810,8 +5836,8 @@
           </a:p>
         </p:txBody>
       </p:sp>
-      <mc:AlternateContent xmlns:mc="http://schemas.openxmlformats.org/markup-compatibility/2006">
-        <mc:Choice xmlns:a14="http://schemas.microsoft.com/office/drawing/2010/main" Requires="a14">
+      <mc:AlternateContent xmlns:mc="http://schemas.openxmlformats.org/markup-compatibility/2006" xmlns:a14="http://schemas.microsoft.com/office/drawing/2010/main">
+        <mc:Choice Requires="a14">
           <p:sp>
             <p:nvSpPr>
               <p:cNvPr id="9" name="Tijdelijke aanduiding voor inhoud 8">
@@ -5924,7 +5950,7 @@
             </p:txBody>
           </p:sp>
         </mc:Choice>
-        <mc:Fallback>
+        <mc:Fallback xmlns="">
           <p:sp>
             <p:nvSpPr>
               <p:cNvPr id="9" name="Tijdelijke aanduiding voor inhoud 8">
@@ -6069,8 +6095,8 @@
           </a:p>
         </p:txBody>
       </p:sp>
-      <mc:AlternateContent xmlns:mc="http://schemas.openxmlformats.org/markup-compatibility/2006">
-        <mc:Choice xmlns:a14="http://schemas.microsoft.com/office/drawing/2010/main" Requires="a14">
+      <mc:AlternateContent xmlns:mc="http://schemas.openxmlformats.org/markup-compatibility/2006" xmlns:a14="http://schemas.microsoft.com/office/drawing/2010/main">
+        <mc:Choice Requires="a14">
           <p:sp>
             <p:nvSpPr>
               <p:cNvPr id="3" name="Tijdelijke aanduiding voor inhoud 2">
@@ -6151,7 +6177,7 @@
             </p:txBody>
           </p:sp>
         </mc:Choice>
-        <mc:Fallback>
+        <mc:Fallback xmlns="">
           <p:sp>
             <p:nvSpPr>
               <p:cNvPr id="3" name="Tijdelijke aanduiding voor inhoud 2">
@@ -6602,6 +6628,12 @@
             </a:r>
             <a:endParaRPr lang="nl-BE" dirty="0"/>
           </a:p>
+          <a:p>
+            <a:r>
+              <a:rPr lang="nl-BE" dirty="0"/>
+              <a:t>Next steps</a:t>
+            </a:r>
+          </a:p>
         </p:txBody>
       </p:sp>
       <p:sp>
@@ -6729,8 +6761,8 @@
           </a:p>
         </p:txBody>
       </p:sp>
-      <mc:AlternateContent xmlns:mc="http://schemas.openxmlformats.org/markup-compatibility/2006">
-        <mc:Choice xmlns:a14="http://schemas.microsoft.com/office/drawing/2010/main" Requires="a14">
+      <mc:AlternateContent xmlns:mc="http://schemas.openxmlformats.org/markup-compatibility/2006" xmlns:a14="http://schemas.microsoft.com/office/drawing/2010/main">
+        <mc:Choice Requires="a14">
           <p:sp>
             <p:nvSpPr>
               <p:cNvPr id="7" name="Tijdelijke aanduiding voor inhoud 6">
@@ -6813,7 +6845,7 @@
             </p:txBody>
           </p:sp>
         </mc:Choice>
-        <mc:Fallback>
+        <mc:Fallback xmlns="">
           <p:sp>
             <p:nvSpPr>
               <p:cNvPr id="7" name="Tijdelijke aanduiding voor inhoud 6">
@@ -6958,8 +6990,8 @@
           </a:p>
         </p:txBody>
       </p:sp>
-      <mc:AlternateContent xmlns:mc="http://schemas.openxmlformats.org/markup-compatibility/2006">
-        <mc:Choice xmlns:a14="http://schemas.microsoft.com/office/drawing/2010/main" Requires="a14">
+      <mc:AlternateContent xmlns:mc="http://schemas.openxmlformats.org/markup-compatibility/2006" xmlns:a14="http://schemas.microsoft.com/office/drawing/2010/main">
+        <mc:Choice Requires="a14">
           <p:sp>
             <p:nvSpPr>
               <p:cNvPr id="3" name="Tijdelijke aanduiding voor inhoud 2">
@@ -7040,7 +7072,7 @@
             </p:txBody>
           </p:sp>
         </mc:Choice>
-        <mc:Fallback>
+        <mc:Fallback xmlns="">
           <p:sp>
             <p:nvSpPr>
               <p:cNvPr id="3" name="Tijdelijke aanduiding voor inhoud 2">
@@ -7318,6 +7350,233 @@
 </p:sld>
 </file>
 
+<file path=ppt/slides/slide23.xml><?xml version="1.0" encoding="utf-8"?>
+<p:sld xmlns:a="http://schemas.openxmlformats.org/drawingml/2006/main" xmlns:r="http://schemas.openxmlformats.org/officeDocument/2006/relationships" xmlns:p="http://schemas.openxmlformats.org/presentationml/2006/main">
+  <p:cSld>
+    <p:spTree>
+      <p:nvGrpSpPr>
+        <p:cNvPr id="1" name=""/>
+        <p:cNvGrpSpPr/>
+        <p:nvPr/>
+      </p:nvGrpSpPr>
+      <p:grpSpPr>
+        <a:xfrm>
+          <a:off x="0" y="0"/>
+          <a:ext cx="0" cy="0"/>
+          <a:chOff x="0" y="0"/>
+          <a:chExt cx="0" cy="0"/>
+        </a:xfrm>
+      </p:grpSpPr>
+      <p:sp>
+        <p:nvSpPr>
+          <p:cNvPr id="2" name="Titel 1">
+            <a:extLst>
+              <a:ext uri="{FF2B5EF4-FFF2-40B4-BE49-F238E27FC236}">
+                <a16:creationId xmlns:a16="http://schemas.microsoft.com/office/drawing/2014/main" id="{1C004C7D-C322-42C8-B957-D210E8977639}"/>
+              </a:ext>
+            </a:extLst>
+          </p:cNvPr>
+          <p:cNvSpPr>
+            <a:spLocks noGrp="1"/>
+          </p:cNvSpPr>
+          <p:nvPr>
+            <p:ph type="title"/>
+          </p:nvPr>
+        </p:nvSpPr>
+        <p:spPr/>
+        <p:txBody>
+          <a:bodyPr/>
+          <a:lstStyle/>
+          <a:p>
+            <a:r>
+              <a:rPr lang="nl-BE" dirty="0"/>
+              <a:t>Next steps</a:t>
+            </a:r>
+          </a:p>
+        </p:txBody>
+      </p:sp>
+      <p:sp>
+        <p:nvSpPr>
+          <p:cNvPr id="3" name="Tijdelijke aanduiding voor inhoud 2">
+            <a:extLst>
+              <a:ext uri="{FF2B5EF4-FFF2-40B4-BE49-F238E27FC236}">
+                <a16:creationId xmlns:a16="http://schemas.microsoft.com/office/drawing/2014/main" id="{B1887A9A-8DF3-4817-95DE-4388C14532F4}"/>
+              </a:ext>
+            </a:extLst>
+          </p:cNvPr>
+          <p:cNvSpPr>
+            <a:spLocks noGrp="1"/>
+          </p:cNvSpPr>
+          <p:nvPr>
+            <p:ph idx="1"/>
+          </p:nvPr>
+        </p:nvSpPr>
+        <p:spPr/>
+        <p:txBody>
+          <a:bodyPr>
+            <a:normAutofit/>
+          </a:bodyPr>
+          <a:lstStyle/>
+          <a:p>
+            <a:r>
+              <a:rPr lang="nl-BE" dirty="0" err="1"/>
+              <a:t>Optimization</a:t>
+            </a:r>
+            <a:r>
+              <a:rPr lang="nl-BE" dirty="0"/>
+              <a:t> </a:t>
+            </a:r>
+            <a:r>
+              <a:rPr lang="nl-BE" dirty="0" err="1"/>
+              <a:t>method</a:t>
+            </a:r>
+            <a:endParaRPr lang="nl-BE" dirty="0"/>
+          </a:p>
+          <a:p>
+            <a:pPr lvl="1"/>
+            <a:r>
+              <a:rPr lang="nl-BE" dirty="0" err="1"/>
+              <a:t>Coefficients</a:t>
+            </a:r>
+            <a:endParaRPr lang="nl-BE" dirty="0"/>
+          </a:p>
+          <a:p>
+            <a:r>
+              <a:rPr lang="nl-BE" dirty="0" err="1"/>
+              <a:t>Comparison</a:t>
+            </a:r>
+            <a:r>
+              <a:rPr lang="nl-BE" dirty="0"/>
+              <a:t> of power </a:t>
+            </a:r>
+            <a:r>
+              <a:rPr lang="nl-BE" dirty="0" err="1"/>
+              <a:t>for</a:t>
+            </a:r>
+            <a:r>
+              <a:rPr lang="nl-BE" dirty="0"/>
+              <a:t> </a:t>
+            </a:r>
+            <a:r>
+              <a:rPr lang="nl-BE" dirty="0" err="1"/>
+              <a:t>BEACon</a:t>
+            </a:r>
+            <a:endParaRPr lang="nl-BE" dirty="0"/>
+          </a:p>
+          <a:p>
+            <a:endParaRPr lang="nl-BE" dirty="0"/>
+          </a:p>
+          <a:p>
+            <a:r>
+              <a:rPr lang="nl-BE" dirty="0" err="1"/>
+              <a:t>Final</a:t>
+            </a:r>
+            <a:r>
+              <a:rPr lang="nl-BE" dirty="0"/>
+              <a:t> draft: </a:t>
+            </a:r>
+            <a:r>
+              <a:rPr lang="nl-BE" dirty="0" err="1"/>
+              <a:t>Monday</a:t>
+            </a:r>
+            <a:r>
+              <a:rPr lang="nl-BE" dirty="0"/>
+              <a:t> 9/07?</a:t>
+            </a:r>
+            <a:br>
+              <a:rPr lang="nl-BE" dirty="0"/>
+            </a:br>
+            <a:r>
+              <a:rPr lang="nl-BE" dirty="0"/>
+              <a:t>Green light meeting?</a:t>
+            </a:r>
+          </a:p>
+          <a:p>
+            <a:r>
+              <a:rPr lang="nl-BE" dirty="0" err="1"/>
+              <a:t>Final</a:t>
+            </a:r>
+            <a:r>
+              <a:rPr lang="nl-BE" dirty="0"/>
+              <a:t> hand-in: </a:t>
+            </a:r>
+            <a:r>
+              <a:rPr lang="nl-BE" dirty="0" err="1"/>
+              <a:t>Tuesday</a:t>
+            </a:r>
+            <a:r>
+              <a:rPr lang="nl-BE" dirty="0"/>
+              <a:t> 31/07</a:t>
+            </a:r>
+          </a:p>
+          <a:p>
+            <a:r>
+              <a:rPr lang="nl-BE" dirty="0" err="1"/>
+              <a:t>Defence</a:t>
+            </a:r>
+            <a:r>
+              <a:rPr lang="nl-BE" dirty="0"/>
+              <a:t>: </a:t>
+            </a:r>
+            <a:r>
+              <a:rPr lang="nl-BE" dirty="0" err="1"/>
+              <a:t>Wednesday</a:t>
+            </a:r>
+            <a:r>
+              <a:rPr lang="nl-BE" dirty="0"/>
+              <a:t> 15/08</a:t>
+            </a:r>
+          </a:p>
+          <a:p>
+            <a:r>
+              <a:rPr lang="nl-BE" dirty="0"/>
+              <a:t>Next meeting?</a:t>
+            </a:r>
+          </a:p>
+        </p:txBody>
+      </p:sp>
+      <p:sp>
+        <p:nvSpPr>
+          <p:cNvPr id="4" name="Tijdelijke aanduiding voor dianummer 3">
+            <a:extLst>
+              <a:ext uri="{FF2B5EF4-FFF2-40B4-BE49-F238E27FC236}">
+                <a16:creationId xmlns:a16="http://schemas.microsoft.com/office/drawing/2014/main" id="{982D7D30-DB6C-445C-9539-BFCBEB9C3F87}"/>
+              </a:ext>
+            </a:extLst>
+          </p:cNvPr>
+          <p:cNvSpPr>
+            <a:spLocks noGrp="1"/>
+          </p:cNvSpPr>
+          <p:nvPr>
+            <p:ph type="sldNum" sz="quarter" idx="12"/>
+          </p:nvPr>
+        </p:nvSpPr>
+        <p:spPr/>
+        <p:txBody>
+          <a:bodyPr/>
+          <a:lstStyle/>
+          <a:p>
+            <a:fld id="{A67A16A6-1D99-4D69-98CC-61693C92B629}" type="slidenum">
+              <a:rPr lang="nl-BE" smtClean="0"/>
+              <a:t>23</a:t>
+            </a:fld>
+            <a:endParaRPr lang="nl-BE"/>
+          </a:p>
+        </p:txBody>
+      </p:sp>
+    </p:spTree>
+    <p:extLst>
+      <p:ext uri="{BB962C8B-B14F-4D97-AF65-F5344CB8AC3E}">
+        <p14:creationId xmlns:p14="http://schemas.microsoft.com/office/powerpoint/2010/main" val="3630816048"/>
+      </p:ext>
+    </p:extLst>
+  </p:cSld>
+  <p:clrMapOvr>
+    <a:masterClrMapping/>
+  </p:clrMapOvr>
+</p:sld>
+</file>
+
 <file path=ppt/slides/slide3.xml><?xml version="1.0" encoding="utf-8"?>
 <p:sld xmlns:a="http://schemas.openxmlformats.org/drawingml/2006/main" xmlns:r="http://schemas.openxmlformats.org/officeDocument/2006/relationships" xmlns:p="http://schemas.openxmlformats.org/presentationml/2006/main">
   <p:cSld>
@@ -8021,160 +8280,6 @@
 </file>
 
 <file path=ppt/slides/slide6.xml><?xml version="1.0" encoding="utf-8"?>
-<p:sld xmlns:a="http://schemas.openxmlformats.org/drawingml/2006/main" xmlns:r="http://schemas.openxmlformats.org/officeDocument/2006/relationships" xmlns:p="http://schemas.openxmlformats.org/presentationml/2006/main">
-  <p:cSld>
-    <p:spTree>
-      <p:nvGrpSpPr>
-        <p:cNvPr id="1" name=""/>
-        <p:cNvGrpSpPr/>
-        <p:nvPr/>
-      </p:nvGrpSpPr>
-      <p:grpSpPr>
-        <a:xfrm>
-          <a:off x="0" y="0"/>
-          <a:ext cx="0" cy="0"/>
-          <a:chOff x="0" y="0"/>
-          <a:chExt cx="0" cy="0"/>
-        </a:xfrm>
-      </p:grpSpPr>
-      <p:sp>
-        <p:nvSpPr>
-          <p:cNvPr id="2" name="Titel 1">
-            <a:extLst>
-              <a:ext uri="{FF2B5EF4-FFF2-40B4-BE49-F238E27FC236}">
-                <a16:creationId xmlns:a16="http://schemas.microsoft.com/office/drawing/2014/main" id="{3E895F2A-F469-43A9-A250-C2709C84419C}"/>
-              </a:ext>
-            </a:extLst>
-          </p:cNvPr>
-          <p:cNvSpPr>
-            <a:spLocks noGrp="1"/>
-          </p:cNvSpPr>
-          <p:nvPr>
-            <p:ph type="title"/>
-          </p:nvPr>
-        </p:nvSpPr>
-        <p:spPr/>
-        <p:txBody>
-          <a:bodyPr/>
-          <a:lstStyle/>
-          <a:p>
-            <a:r>
-              <a:rPr lang="nl-BE" dirty="0" err="1"/>
-              <a:t>BEACon</a:t>
-            </a:r>
-            <a:r>
-              <a:rPr lang="nl-BE" dirty="0"/>
-              <a:t> – </a:t>
-            </a:r>
-            <a:r>
-              <a:rPr lang="nl-BE" dirty="0" err="1"/>
-              <a:t>Streamwise</a:t>
-            </a:r>
-            <a:r>
-              <a:rPr lang="nl-BE" dirty="0"/>
-              <a:t> line (LES)</a:t>
-            </a:r>
-          </a:p>
-        </p:txBody>
-      </p:sp>
-      <p:sp>
-        <p:nvSpPr>
-          <p:cNvPr id="4" name="Tijdelijke aanduiding voor dianummer 3">
-            <a:extLst>
-              <a:ext uri="{FF2B5EF4-FFF2-40B4-BE49-F238E27FC236}">
-                <a16:creationId xmlns:a16="http://schemas.microsoft.com/office/drawing/2014/main" id="{21C69C8D-8C27-437F-9766-B14AD13D4B36}"/>
-              </a:ext>
-            </a:extLst>
-          </p:cNvPr>
-          <p:cNvSpPr>
-            <a:spLocks noGrp="1"/>
-          </p:cNvSpPr>
-          <p:nvPr>
-            <p:ph type="sldNum" sz="quarter" idx="12"/>
-          </p:nvPr>
-        </p:nvSpPr>
-        <p:spPr/>
-        <p:txBody>
-          <a:bodyPr/>
-          <a:lstStyle/>
-          <a:p>
-            <a:fld id="{A67A16A6-1D99-4D69-98CC-61693C92B629}" type="slidenum">
-              <a:rPr lang="nl-BE" smtClean="0"/>
-              <a:t>6</a:t>
-            </a:fld>
-            <a:endParaRPr lang="nl-BE"/>
-          </a:p>
-        </p:txBody>
-      </p:sp>
-      <p:sp>
-        <p:nvSpPr>
-          <p:cNvPr id="7" name="Tijdelijke aanduiding voor inhoud 6">
-            <a:extLst>
-              <a:ext uri="{FF2B5EF4-FFF2-40B4-BE49-F238E27FC236}">
-                <a16:creationId xmlns:a16="http://schemas.microsoft.com/office/drawing/2014/main" id="{0362EEC5-D5F7-4CD8-A2CD-E352AC4C5C47}"/>
-              </a:ext>
-            </a:extLst>
-          </p:cNvPr>
-          <p:cNvSpPr>
-            <a:spLocks noGrp="1"/>
-          </p:cNvSpPr>
-          <p:nvPr>
-            <p:ph idx="1"/>
-          </p:nvPr>
-        </p:nvSpPr>
-        <p:spPr/>
-        <p:txBody>
-          <a:bodyPr/>
-          <a:lstStyle/>
-          <a:p>
-            <a:endParaRPr lang="nl-BE"/>
-          </a:p>
-        </p:txBody>
-      </p:sp>
-      <p:pic>
-        <p:nvPicPr>
-          <p:cNvPr id="8" name="Afbeelding 7">
-            <a:extLst>
-              <a:ext uri="{FF2B5EF4-FFF2-40B4-BE49-F238E27FC236}">
-                <a16:creationId xmlns:a16="http://schemas.microsoft.com/office/drawing/2014/main" id="{D2174627-10D8-48FE-8D67-79F53E20ED3A}"/>
-              </a:ext>
-            </a:extLst>
-          </p:cNvPr>
-          <p:cNvPicPr>
-            <a:picLocks noChangeAspect="1"/>
-          </p:cNvPicPr>
-          <p:nvPr/>
-        </p:nvPicPr>
-        <p:blipFill>
-          <a:blip r:embed="rId2"/>
-          <a:stretch>
-            <a:fillRect/>
-          </a:stretch>
-        </p:blipFill>
-        <p:spPr>
-          <a:xfrm>
-            <a:off x="1047749" y="1389589"/>
-            <a:ext cx="9820275" cy="5331886"/>
-          </a:xfrm>
-          <a:prstGeom prst="rect">
-            <a:avLst/>
-          </a:prstGeom>
-        </p:spPr>
-      </p:pic>
-    </p:spTree>
-    <p:extLst>
-      <p:ext uri="{BB962C8B-B14F-4D97-AF65-F5344CB8AC3E}">
-        <p14:creationId xmlns:p14="http://schemas.microsoft.com/office/powerpoint/2010/main" val="2513590161"/>
-      </p:ext>
-    </p:extLst>
-  </p:cSld>
-  <p:clrMapOvr>
-    <a:masterClrMapping/>
-  </p:clrMapOvr>
-</p:sld>
-</file>
-
-<file path=ppt/slides/slide7.xml><?xml version="1.0" encoding="utf-8"?>
 <p:sld xmlns:a="http://schemas.openxmlformats.org/drawingml/2006/main" xmlns:r="http://schemas.openxmlformats.org/officeDocument/2006/relationships" xmlns:p="http://schemas.openxmlformats.org/presentationml/2006/main" show="0">
   <p:cSld>
     <p:spTree>
@@ -8254,7 +8359,7 @@
           <a:p>
             <a:fld id="{A67A16A6-1D99-4D69-98CC-61693C92B629}" type="slidenum">
               <a:rPr lang="nl-BE" smtClean="0"/>
-              <a:t>7</a:t>
+              <a:t>6</a:t>
             </a:fld>
             <a:endParaRPr lang="nl-BE"/>
           </a:p>
@@ -8328,7 +8433,7 @@
 </p:sld>
 </file>
 
-<file path=ppt/slides/slide8.xml><?xml version="1.0" encoding="utf-8"?>
+<file path=ppt/slides/slide7.xml><?xml version="1.0" encoding="utf-8"?>
 <p:sld xmlns:a="http://schemas.openxmlformats.org/drawingml/2006/main" xmlns:r="http://schemas.openxmlformats.org/officeDocument/2006/relationships" xmlns:p="http://schemas.openxmlformats.org/presentationml/2006/main" show="0">
   <p:cSld>
     <p:spTree>
@@ -8408,7 +8513,7 @@
           <a:p>
             <a:fld id="{A67A16A6-1D99-4D69-98CC-61693C92B629}" type="slidenum">
               <a:rPr lang="nl-BE" smtClean="0"/>
-              <a:t>8</a:t>
+              <a:t>7</a:t>
             </a:fld>
             <a:endParaRPr lang="nl-BE"/>
           </a:p>
@@ -8482,6 +8587,266 @@
 </p:sld>
 </file>
 
+<file path=ppt/slides/slide8.xml><?xml version="1.0" encoding="utf-8"?>
+<p:sld xmlns:a="http://schemas.openxmlformats.org/drawingml/2006/main" xmlns:r="http://schemas.openxmlformats.org/officeDocument/2006/relationships" xmlns:p="http://schemas.openxmlformats.org/presentationml/2006/main">
+  <p:cSld>
+    <p:spTree>
+      <p:nvGrpSpPr>
+        <p:cNvPr id="1" name=""/>
+        <p:cNvGrpSpPr/>
+        <p:nvPr/>
+      </p:nvGrpSpPr>
+      <p:grpSpPr>
+        <a:xfrm>
+          <a:off x="0" y="0"/>
+          <a:ext cx="0" cy="0"/>
+          <a:chOff x="0" y="0"/>
+          <a:chExt cx="0" cy="0"/>
+        </a:xfrm>
+      </p:grpSpPr>
+      <p:sp>
+        <p:nvSpPr>
+          <p:cNvPr id="2" name="Titel 1">
+            <a:extLst>
+              <a:ext uri="{FF2B5EF4-FFF2-40B4-BE49-F238E27FC236}">
+                <a16:creationId xmlns:a16="http://schemas.microsoft.com/office/drawing/2014/main" id="{3E895F2A-F469-43A9-A250-C2709C84419C}"/>
+              </a:ext>
+            </a:extLst>
+          </p:cNvPr>
+          <p:cNvSpPr>
+            <a:spLocks noGrp="1"/>
+          </p:cNvSpPr>
+          <p:nvPr>
+            <p:ph type="title"/>
+          </p:nvPr>
+        </p:nvSpPr>
+        <p:spPr/>
+        <p:txBody>
+          <a:bodyPr>
+            <a:normAutofit/>
+          </a:bodyPr>
+          <a:lstStyle/>
+          <a:p>
+            <a:r>
+              <a:rPr lang="nl-BE" sz="4000" dirty="0" err="1"/>
+              <a:t>BEACon</a:t>
+            </a:r>
+            <a:r>
+              <a:rPr lang="nl-BE" sz="4000" dirty="0"/>
+              <a:t> – </a:t>
+            </a:r>
+            <a:r>
+              <a:rPr lang="nl-BE" sz="4000" dirty="0" err="1"/>
+              <a:t>Streamwise</a:t>
+            </a:r>
+            <a:r>
+              <a:rPr lang="nl-BE" sz="4000" dirty="0"/>
+              <a:t> line (LES &amp; Fuga)</a:t>
+            </a:r>
+          </a:p>
+        </p:txBody>
+      </p:sp>
+      <p:sp>
+        <p:nvSpPr>
+          <p:cNvPr id="4" name="Tijdelijke aanduiding voor dianummer 3">
+            <a:extLst>
+              <a:ext uri="{FF2B5EF4-FFF2-40B4-BE49-F238E27FC236}">
+                <a16:creationId xmlns:a16="http://schemas.microsoft.com/office/drawing/2014/main" id="{21C69C8D-8C27-437F-9766-B14AD13D4B36}"/>
+              </a:ext>
+            </a:extLst>
+          </p:cNvPr>
+          <p:cNvSpPr>
+            <a:spLocks noGrp="1"/>
+          </p:cNvSpPr>
+          <p:nvPr>
+            <p:ph type="sldNum" sz="quarter" idx="12"/>
+          </p:nvPr>
+        </p:nvSpPr>
+        <p:spPr/>
+        <p:txBody>
+          <a:bodyPr/>
+          <a:lstStyle/>
+          <a:p>
+            <a:fld id="{A67A16A6-1D99-4D69-98CC-61693C92B629}" type="slidenum">
+              <a:rPr lang="nl-BE" smtClean="0"/>
+              <a:t>8</a:t>
+            </a:fld>
+            <a:endParaRPr lang="nl-BE"/>
+          </a:p>
+        </p:txBody>
+      </p:sp>
+      <p:sp>
+        <p:nvSpPr>
+          <p:cNvPr id="7" name="Tijdelijke aanduiding voor inhoud 6">
+            <a:extLst>
+              <a:ext uri="{FF2B5EF4-FFF2-40B4-BE49-F238E27FC236}">
+                <a16:creationId xmlns:a16="http://schemas.microsoft.com/office/drawing/2014/main" id="{0362EEC5-D5F7-4CD8-A2CD-E352AC4C5C47}"/>
+              </a:ext>
+            </a:extLst>
+          </p:cNvPr>
+          <p:cNvSpPr>
+            <a:spLocks noGrp="1"/>
+          </p:cNvSpPr>
+          <p:nvPr>
+            <p:ph idx="1"/>
+          </p:nvPr>
+        </p:nvSpPr>
+        <p:spPr/>
+        <p:txBody>
+          <a:bodyPr/>
+          <a:lstStyle/>
+          <a:p>
+            <a:endParaRPr lang="nl-BE"/>
+          </a:p>
+        </p:txBody>
+      </p:sp>
+      <p:pic>
+        <p:nvPicPr>
+          <p:cNvPr id="6" name="Afbeelding 5">
+            <a:extLst>
+              <a:ext uri="{FF2B5EF4-FFF2-40B4-BE49-F238E27FC236}">
+                <a16:creationId xmlns:a16="http://schemas.microsoft.com/office/drawing/2014/main" id="{D19E98E0-4B89-447A-88DD-BB52C706F9A8}"/>
+              </a:ext>
+            </a:extLst>
+          </p:cNvPr>
+          <p:cNvPicPr>
+            <a:picLocks noChangeAspect="1"/>
+          </p:cNvPicPr>
+          <p:nvPr/>
+        </p:nvPicPr>
+        <p:blipFill>
+          <a:blip r:embed="rId2"/>
+          <a:stretch>
+            <a:fillRect/>
+          </a:stretch>
+        </p:blipFill>
+        <p:spPr>
+          <a:xfrm>
+            <a:off x="0" y="1481964"/>
+            <a:ext cx="9743440" cy="5239511"/>
+          </a:xfrm>
+          <a:prstGeom prst="rect">
+            <a:avLst/>
+          </a:prstGeom>
+        </p:spPr>
+      </p:pic>
+      <p:pic>
+        <p:nvPicPr>
+          <p:cNvPr id="9" name="Afbeelding 8">
+            <a:extLst>
+              <a:ext uri="{FF2B5EF4-FFF2-40B4-BE49-F238E27FC236}">
+                <a16:creationId xmlns:a16="http://schemas.microsoft.com/office/drawing/2014/main" id="{F636C332-5101-4DF6-920C-AD8321D09B06}"/>
+              </a:ext>
+            </a:extLst>
+          </p:cNvPr>
+          <p:cNvPicPr>
+            <a:picLocks noChangeAspect="1"/>
+          </p:cNvPicPr>
+          <p:nvPr/>
+        </p:nvPicPr>
+        <p:blipFill>
+          <a:blip r:embed="rId3"/>
+          <a:stretch>
+            <a:fillRect/>
+          </a:stretch>
+        </p:blipFill>
+        <p:spPr>
+          <a:xfrm>
+            <a:off x="9201904" y="106045"/>
+            <a:ext cx="2990096" cy="4470400"/>
+          </a:xfrm>
+          <a:prstGeom prst="rect">
+            <a:avLst/>
+          </a:prstGeom>
+        </p:spPr>
+      </p:pic>
+      <p:sp>
+        <p:nvSpPr>
+          <p:cNvPr id="10" name="Tekstvak 9">
+            <a:extLst>
+              <a:ext uri="{FF2B5EF4-FFF2-40B4-BE49-F238E27FC236}">
+                <a16:creationId xmlns:a16="http://schemas.microsoft.com/office/drawing/2014/main" id="{DB006ABE-1062-40C9-ACE1-188FAF3FBB93}"/>
+              </a:ext>
+            </a:extLst>
+          </p:cNvPr>
+          <p:cNvSpPr txBox="1"/>
+          <p:nvPr/>
+        </p:nvSpPr>
+        <p:spPr>
+          <a:xfrm>
+            <a:off x="9982200" y="4927600"/>
+            <a:ext cx="2098040" cy="646331"/>
+          </a:xfrm>
+          <a:prstGeom prst="rect">
+            <a:avLst/>
+          </a:prstGeom>
+          <a:noFill/>
+        </p:spPr>
+        <p:txBody>
+          <a:bodyPr wrap="square" rtlCol="0">
+            <a:spAutoFit/>
+          </a:bodyPr>
+          <a:lstStyle/>
+          <a:p>
+            <a:r>
+              <a:rPr lang="nl-BE" dirty="0">
+                <a:sym typeface="Wingdings" panose="05000000000000000000" pitchFamily="2" charset="2"/>
+              </a:rPr>
+              <a:t> DKHR </a:t>
+            </a:r>
+            <a:r>
+              <a:rPr lang="nl-BE" dirty="0" err="1">
+                <a:sym typeface="Wingdings" panose="05000000000000000000" pitchFamily="2" charset="2"/>
+              </a:rPr>
+              <a:t>inflow</a:t>
+            </a:r>
+            <a:r>
+              <a:rPr lang="nl-BE" dirty="0">
+                <a:sym typeface="Wingdings" panose="05000000000000000000" pitchFamily="2" charset="2"/>
+              </a:rPr>
+              <a:t> profile </a:t>
+            </a:r>
+            <a:r>
+              <a:rPr lang="nl-BE" dirty="0" err="1">
+                <a:sym typeface="Wingdings" panose="05000000000000000000" pitchFamily="2" charset="2"/>
+              </a:rPr>
+              <a:t>used</a:t>
+            </a:r>
+            <a:r>
+              <a:rPr lang="nl-BE" dirty="0">
+                <a:sym typeface="Wingdings" panose="05000000000000000000" pitchFamily="2" charset="2"/>
+              </a:rPr>
+              <a:t> </a:t>
+            </a:r>
+            <a:r>
+              <a:rPr lang="nl-BE" dirty="0" err="1">
+                <a:sym typeface="Wingdings" panose="05000000000000000000" pitchFamily="2" charset="2"/>
+              </a:rPr>
+              <a:t>for</a:t>
+            </a:r>
+            <a:r>
+              <a:rPr lang="nl-BE" dirty="0">
+                <a:sym typeface="Wingdings" panose="05000000000000000000" pitchFamily="2" charset="2"/>
+              </a:rPr>
+              <a:t> Fuga</a:t>
+            </a:r>
+            <a:endParaRPr lang="nl-BE" dirty="0"/>
+          </a:p>
+        </p:txBody>
+      </p:sp>
+    </p:spTree>
+    <p:extLst>
+      <p:ext uri="{BB962C8B-B14F-4D97-AF65-F5344CB8AC3E}">
+        <p14:creationId xmlns:p14="http://schemas.microsoft.com/office/powerpoint/2010/main" val="2513590161"/>
+      </p:ext>
+    </p:extLst>
+  </p:cSld>
+  <p:clrMapOvr>
+    <a:masterClrMapping/>
+  </p:clrMapOvr>
+</p:sld>
+</file>
+
 <file path=ppt/slides/slide9.xml><?xml version="1.0" encoding="utf-8"?>
 <p:sld xmlns:a="http://schemas.openxmlformats.org/drawingml/2006/main" xmlns:r="http://schemas.openxmlformats.org/officeDocument/2006/relationships" xmlns:p="http://schemas.openxmlformats.org/presentationml/2006/main">
   <p:cSld>
@@ -8618,10 +8983,10 @@
       </p:pic>
       <p:pic>
         <p:nvPicPr>
-          <p:cNvPr id="7" name="Afbeelding 6">
-            <a:extLst>
-              <a:ext uri="{FF2B5EF4-FFF2-40B4-BE49-F238E27FC236}">
-                <a16:creationId xmlns:a16="http://schemas.microsoft.com/office/drawing/2014/main" id="{28662E53-2DC0-4082-9B6D-1568720EAFEF}"/>
+          <p:cNvPr id="6" name="Afbeelding 5">
+            <a:extLst>
+              <a:ext uri="{FF2B5EF4-FFF2-40B4-BE49-F238E27FC236}">
+                <a16:creationId xmlns:a16="http://schemas.microsoft.com/office/drawing/2014/main" id="{6F4C8EBF-0C64-48F6-A3C3-94C7E60BC9DD}"/>
               </a:ext>
             </a:extLst>
           </p:cNvPr>
@@ -8649,8 +9014,8 @@
         </p:blipFill>
         <p:spPr>
           <a:xfrm>
-            <a:off x="1364456" y="1605144"/>
-            <a:ext cx="9261655" cy="5127298"/>
+            <a:off x="1137637" y="1438891"/>
+            <a:ext cx="9916725" cy="5419109"/>
           </a:xfrm>
           <a:prstGeom prst="rect">
             <a:avLst/>

--- a/Meetings & Official Documents/20180611_Meeting15.pptx
+++ b/Meetings & Official Documents/20180611_Meeting15.pptx
@@ -219,7 +219,7 @@
           <a:p>
             <a:fld id="{D229F9E7-65EA-43FB-9D13-FEC5C2A3AEB2}" type="datetimeFigureOut">
               <a:rPr lang="nl-BE" smtClean="0"/>
-              <a:t>10/06/2018</a:t>
+              <a:t>11/06/2018</a:t>
             </a:fld>
             <a:endParaRPr lang="nl-BE"/>
           </a:p>
@@ -636,7 +636,7 @@
           <a:p>
             <a:fld id="{A7A67642-9AA1-414A-9BA2-17F71C2AFBB9}" type="datetime1">
               <a:rPr lang="nl-BE" smtClean="0"/>
-              <a:t>10/06/2018</a:t>
+              <a:t>11/06/2018</a:t>
             </a:fld>
             <a:endParaRPr lang="nl-BE"/>
           </a:p>
@@ -836,7 +836,7 @@
           <a:p>
             <a:fld id="{C966A574-0BBF-4010-A345-0C3F7A769283}" type="datetime1">
               <a:rPr lang="nl-BE" smtClean="0"/>
-              <a:t>10/06/2018</a:t>
+              <a:t>11/06/2018</a:t>
             </a:fld>
             <a:endParaRPr lang="nl-BE"/>
           </a:p>
@@ -1046,7 +1046,7 @@
           <a:p>
             <a:fld id="{464DA55A-0F35-4D92-9A4F-C91BB6870471}" type="datetime1">
               <a:rPr lang="nl-BE" smtClean="0"/>
-              <a:t>10/06/2018</a:t>
+              <a:t>11/06/2018</a:t>
             </a:fld>
             <a:endParaRPr lang="nl-BE"/>
           </a:p>
@@ -1246,7 +1246,7 @@
           <a:p>
             <a:fld id="{8D0E0631-7B02-45DF-AF78-0FCA357DAF8C}" type="datetime1">
               <a:rPr lang="nl-BE" smtClean="0"/>
-              <a:t>10/06/2018</a:t>
+              <a:t>11/06/2018</a:t>
             </a:fld>
             <a:endParaRPr lang="nl-BE"/>
           </a:p>
@@ -1522,7 +1522,7 @@
           <a:p>
             <a:fld id="{BB4D6C60-EB36-4AE8-B3E4-137C2B2E792B}" type="datetime1">
               <a:rPr lang="nl-BE" smtClean="0"/>
-              <a:t>10/06/2018</a:t>
+              <a:t>11/06/2018</a:t>
             </a:fld>
             <a:endParaRPr lang="nl-BE"/>
           </a:p>
@@ -1790,7 +1790,7 @@
           <a:p>
             <a:fld id="{49418A00-F9B2-4397-840D-8C7BE47F2B28}" type="datetime1">
               <a:rPr lang="nl-BE" smtClean="0"/>
-              <a:t>10/06/2018</a:t>
+              <a:t>11/06/2018</a:t>
             </a:fld>
             <a:endParaRPr lang="nl-BE"/>
           </a:p>
@@ -2205,7 +2205,7 @@
           <a:p>
             <a:fld id="{7DA50297-907B-467B-8815-B25461581795}" type="datetime1">
               <a:rPr lang="nl-BE" smtClean="0"/>
-              <a:t>10/06/2018</a:t>
+              <a:t>11/06/2018</a:t>
             </a:fld>
             <a:endParaRPr lang="nl-BE"/>
           </a:p>
@@ -2347,7 +2347,7 @@
           <a:p>
             <a:fld id="{A4BE0957-B6A4-40C4-9825-BBF45661BA3A}" type="datetime1">
               <a:rPr lang="nl-BE" smtClean="0"/>
-              <a:t>10/06/2018</a:t>
+              <a:t>11/06/2018</a:t>
             </a:fld>
             <a:endParaRPr lang="nl-BE"/>
           </a:p>
@@ -2460,7 +2460,7 @@
           <a:p>
             <a:fld id="{0C10C310-163B-4FD1-AB35-D4DF66DCBECD}" type="datetime1">
               <a:rPr lang="nl-BE" smtClean="0"/>
-              <a:t>10/06/2018</a:t>
+              <a:t>11/06/2018</a:t>
             </a:fld>
             <a:endParaRPr lang="nl-BE"/>
           </a:p>
@@ -2773,7 +2773,7 @@
           <a:p>
             <a:fld id="{CF7BD594-EBC5-4697-8957-CE90B750219B}" type="datetime1">
               <a:rPr lang="nl-BE" smtClean="0"/>
-              <a:t>10/06/2018</a:t>
+              <a:t>11/06/2018</a:t>
             </a:fld>
             <a:endParaRPr lang="nl-BE"/>
           </a:p>
@@ -3062,7 +3062,7 @@
           <a:p>
             <a:fld id="{257F5A51-4C10-4AA6-AD95-4F69AA6D0572}" type="datetime1">
               <a:rPr lang="nl-BE" smtClean="0"/>
-              <a:t>10/06/2018</a:t>
+              <a:t>11/06/2018</a:t>
             </a:fld>
             <a:endParaRPr lang="nl-BE"/>
           </a:p>
@@ -3305,7 +3305,7 @@
           <a:p>
             <a:fld id="{54EB793D-682B-4EF3-8934-452F765F0274}" type="datetime1">
               <a:rPr lang="nl-BE" smtClean="0"/>
-              <a:t>10/06/2018</a:t>
+              <a:t>11/06/2018</a:t>
             </a:fld>
             <a:endParaRPr lang="nl-BE"/>
           </a:p>
@@ -3892,32 +3892,137 @@
         </p:nvSpPr>
         <p:spPr/>
         <p:txBody>
-          <a:bodyPr/>
-          <a:lstStyle/>
-          <a:p>
+          <a:bodyPr>
+            <a:normAutofit/>
+          </a:bodyPr>
+          <a:lstStyle/>
+          <a:p>
+            <a:r>
+              <a:rPr lang="nl-BE" strike="sngStrike" dirty="0" err="1"/>
+              <a:t>Instead</a:t>
+            </a:r>
+            <a:r>
+              <a:rPr lang="nl-BE" strike="sngStrike" dirty="0"/>
+              <a:t> of </a:t>
+            </a:r>
+            <a:r>
+              <a:rPr lang="nl-BE" strike="sngStrike" dirty="0" err="1"/>
+              <a:t>comparing</a:t>
+            </a:r>
+            <a:r>
+              <a:rPr lang="nl-BE" strike="sngStrike" dirty="0"/>
+              <a:t> full fields, </a:t>
+            </a:r>
+            <a:r>
+              <a:rPr lang="nl-BE" strike="sngStrike" dirty="0" err="1"/>
+              <a:t>comparing</a:t>
+            </a:r>
+            <a:r>
+              <a:rPr lang="nl-BE" strike="sngStrike" dirty="0"/>
+              <a:t> power at </a:t>
+            </a:r>
+            <a:r>
+              <a:rPr lang="nl-BE" strike="sngStrike" dirty="0" err="1"/>
+              <a:t>the</a:t>
+            </a:r>
+            <a:r>
+              <a:rPr lang="nl-BE" strike="sngStrike" dirty="0"/>
+              <a:t> turbines</a:t>
+            </a:r>
+          </a:p>
+          <a:p>
+            <a:pPr lvl="1"/>
+            <a:r>
+              <a:rPr lang="nl-BE" strike="sngStrike" dirty="0"/>
+              <a:t>Error bar </a:t>
+            </a:r>
+            <a:r>
+              <a:rPr lang="nl-BE" strike="sngStrike" dirty="0" err="1"/>
+              <a:t>available</a:t>
+            </a:r>
+            <a:r>
+              <a:rPr lang="nl-BE" strike="sngStrike" dirty="0"/>
+              <a:t> </a:t>
+            </a:r>
+            <a:r>
+              <a:rPr lang="nl-BE" strike="sngStrike" dirty="0" err="1"/>
+              <a:t>for</a:t>
+            </a:r>
+            <a:r>
+              <a:rPr lang="nl-BE" strike="sngStrike" dirty="0"/>
+              <a:t> </a:t>
+            </a:r>
+            <a:r>
+              <a:rPr lang="nl-BE" strike="sngStrike" dirty="0" err="1"/>
+              <a:t>BEACon</a:t>
+            </a:r>
+            <a:r>
+              <a:rPr lang="nl-BE" strike="sngStrike" dirty="0"/>
+              <a:t> power data?</a:t>
+            </a:r>
+          </a:p>
+          <a:p>
+            <a:pPr lvl="1"/>
+            <a:r>
+              <a:rPr lang="nl-BE" strike="sngStrike" dirty="0" err="1"/>
+              <a:t>Longer</a:t>
+            </a:r>
+            <a:r>
+              <a:rPr lang="nl-BE" strike="sngStrike" dirty="0"/>
+              <a:t> </a:t>
+            </a:r>
+            <a:r>
+              <a:rPr lang="nl-BE" strike="sngStrike" dirty="0" err="1"/>
+              <a:t>row</a:t>
+            </a:r>
+            <a:r>
+              <a:rPr lang="nl-BE" strike="sngStrike" dirty="0"/>
+              <a:t>?</a:t>
+            </a:r>
+          </a:p>
+          <a:p>
+            <a:pPr lvl="1"/>
+            <a:endParaRPr lang="nl-BE" dirty="0"/>
+          </a:p>
+          <a:p>
+            <a:r>
+              <a:rPr lang="nl-BE" dirty="0"/>
+              <a:t>Nicolai:</a:t>
+            </a:r>
+          </a:p>
+          <a:p>
+            <a:pPr lvl="1"/>
             <a:r>
               <a:rPr lang="nl-BE" dirty="0" err="1"/>
-              <a:t>Instead</a:t>
-            </a:r>
-            <a:r>
-              <a:rPr lang="nl-BE" dirty="0"/>
-              <a:t> of </a:t>
+              <a:t>Better</a:t>
+            </a:r>
+            <a:r>
+              <a:rPr lang="nl-BE" dirty="0"/>
+              <a:t> </a:t>
             </a:r>
             <a:r>
               <a:rPr lang="nl-BE" dirty="0" err="1"/>
-              <a:t>comparing</a:t>
-            </a:r>
-            <a:r>
-              <a:rPr lang="nl-BE" dirty="0"/>
-              <a:t> full fields, </a:t>
+              <a:t>not</a:t>
+            </a:r>
+            <a:r>
+              <a:rPr lang="nl-BE" dirty="0"/>
+              <a:t> </a:t>
             </a:r>
             <a:r>
               <a:rPr lang="nl-BE" dirty="0" err="1"/>
-              <a:t>comparing</a:t>
-            </a:r>
-            <a:r>
-              <a:rPr lang="nl-BE" dirty="0"/>
-              <a:t> power at </a:t>
+              <a:t>to</a:t>
+            </a:r>
+            <a:r>
+              <a:rPr lang="nl-BE" dirty="0"/>
+              <a:t> </a:t>
+            </a:r>
+            <a:r>
+              <a:rPr lang="nl-BE" dirty="0" err="1"/>
+              <a:t>include</a:t>
+            </a:r>
+            <a:r>
+              <a:rPr lang="nl-BE" dirty="0"/>
+              <a:t> </a:t>
             </a:r>
             <a:r>
               <a:rPr lang="nl-BE" dirty="0" err="1"/>
@@ -3925,29 +4030,6 @@
             </a:r>
             <a:r>
               <a:rPr lang="nl-BE" dirty="0"/>
-              <a:t> turbines</a:t>
-            </a:r>
-          </a:p>
-          <a:p>
-            <a:pPr lvl="1"/>
-            <a:r>
-              <a:rPr lang="nl-BE" dirty="0"/>
-              <a:t>Error bar </a:t>
-            </a:r>
-            <a:r>
-              <a:rPr lang="nl-BE" dirty="0" err="1"/>
-              <a:t>available</a:t>
-            </a:r>
-            <a:r>
-              <a:rPr lang="nl-BE" dirty="0"/>
-              <a:t> </a:t>
-            </a:r>
-            <a:r>
-              <a:rPr lang="nl-BE" dirty="0" err="1"/>
-              <a:t>for</a:t>
-            </a:r>
-            <a:r>
-              <a:rPr lang="nl-BE" dirty="0"/>
               <a:t> </a:t>
             </a:r>
             <a:r>
@@ -3956,14 +4038,18 @@
             </a:r>
             <a:r>
               <a:rPr lang="nl-BE" dirty="0"/>
-              <a:t> power data?</a:t>
+              <a:t> data</a:t>
             </a:r>
           </a:p>
           <a:p>
             <a:pPr lvl="1"/>
             <a:r>
+              <a:rPr lang="nl-BE" dirty="0"/>
+              <a:t>Too </a:t>
+            </a:r>
+            <a:r>
               <a:rPr lang="nl-BE" dirty="0" err="1"/>
-              <a:t>Longer</a:t>
+              <a:t>many</a:t>
             </a:r>
             <a:r>
               <a:rPr lang="nl-BE" dirty="0"/>
@@ -3971,12 +4057,79 @@
             </a:r>
             <a:r>
               <a:rPr lang="nl-BE" dirty="0" err="1"/>
-              <a:t>row</a:t>
-            </a:r>
-            <a:r>
-              <a:rPr lang="nl-BE"/>
-              <a:t>?</a:t>
-            </a:r>
+              <a:t>unknowns</a:t>
+            </a:r>
+            <a:r>
+              <a:rPr lang="nl-BE" dirty="0"/>
+              <a:t>, separate </a:t>
+            </a:r>
+            <a:r>
+              <a:rPr lang="nl-BE" dirty="0" err="1"/>
+              <a:t>study</a:t>
+            </a:r>
+            <a:r>
+              <a:rPr lang="nl-BE" dirty="0"/>
+              <a:t> </a:t>
+            </a:r>
+            <a:r>
+              <a:rPr lang="nl-BE" dirty="0" err="1"/>
+              <a:t>necassary</a:t>
+            </a:r>
+            <a:r>
+              <a:rPr lang="nl-BE" dirty="0"/>
+              <a:t> </a:t>
+            </a:r>
+            <a:r>
+              <a:rPr lang="nl-BE" dirty="0" err="1"/>
+              <a:t>to</a:t>
+            </a:r>
+            <a:r>
+              <a:rPr lang="nl-BE" dirty="0"/>
+              <a:t> </a:t>
+            </a:r>
+            <a:r>
+              <a:rPr lang="nl-BE" dirty="0" err="1"/>
+              <a:t>find</a:t>
+            </a:r>
+            <a:r>
+              <a:rPr lang="nl-BE" dirty="0"/>
+              <a:t> out </a:t>
+            </a:r>
+            <a:r>
+              <a:rPr lang="nl-BE" dirty="0" err="1"/>
+              <a:t>why</a:t>
+            </a:r>
+            <a:r>
+              <a:rPr lang="nl-BE" dirty="0"/>
+              <a:t> </a:t>
+            </a:r>
+            <a:r>
+              <a:rPr lang="nl-BE" dirty="0" err="1"/>
+              <a:t>the</a:t>
+            </a:r>
+            <a:r>
+              <a:rPr lang="nl-BE" dirty="0"/>
+              <a:t> </a:t>
+            </a:r>
+            <a:r>
+              <a:rPr lang="nl-BE" dirty="0" err="1"/>
+              <a:t>comparison</a:t>
+            </a:r>
+            <a:r>
+              <a:rPr lang="nl-BE" dirty="0"/>
+              <a:t> </a:t>
+            </a:r>
+            <a:r>
+              <a:rPr lang="nl-BE" dirty="0" err="1"/>
+              <a:t>with</a:t>
+            </a:r>
+            <a:r>
+              <a:rPr lang="nl-BE" dirty="0"/>
+              <a:t> LES is bad</a:t>
+            </a:r>
+            <a:br>
+              <a:rPr lang="nl-BE" dirty="0"/>
+            </a:br>
             <a:endParaRPr lang="nl-BE" dirty="0"/>
           </a:p>
         </p:txBody>
@@ -4137,10 +4290,15 @@
             <p:ph idx="1"/>
           </p:nvPr>
         </p:nvSpPr>
-        <p:spPr/>
+        <p:spPr>
+          <a:xfrm>
+            <a:off x="838200" y="1459344"/>
+            <a:ext cx="4426527" cy="4784437"/>
+          </a:xfrm>
+        </p:spPr>
         <p:txBody>
           <a:bodyPr>
-            <a:normAutofit/>
+            <a:normAutofit lnSpcReduction="10000"/>
           </a:bodyPr>
           <a:lstStyle/>
           <a:p>
@@ -4156,12 +4314,106 @@
             <a:endParaRPr lang="nl-BE" dirty="0"/>
           </a:p>
           <a:p>
-            <a:endParaRPr lang="nl-BE" dirty="0"/>
-          </a:p>
-          <a:p>
-            <a:r>
-              <a:rPr lang="nl-BE" dirty="0"/>
-              <a:t>Full wake</a:t>
+            <a:pPr marL="0" indent="0">
+              <a:buNone/>
+            </a:pPr>
+            <a:r>
+              <a:rPr lang="nl-BE" sz="2200" dirty="0"/>
+              <a:t>(</a:t>
+            </a:r>
+            <a:r>
+              <a:rPr lang="nl-BE" sz="2200" dirty="0" err="1"/>
+              <a:t>optimization</a:t>
+            </a:r>
+            <a:r>
+              <a:rPr lang="nl-BE" sz="2200" dirty="0"/>
+              <a:t> </a:t>
+            </a:r>
+            <a:r>
+              <a:rPr lang="nl-BE" sz="2200" dirty="0" err="1"/>
+              <a:t>done</a:t>
+            </a:r>
+            <a:r>
+              <a:rPr lang="nl-BE" sz="2200" dirty="0"/>
+              <a:t> </a:t>
+            </a:r>
+            <a:r>
+              <a:rPr lang="nl-BE" sz="2200" dirty="0" err="1"/>
+              <a:t>for</a:t>
+            </a:r>
+            <a:r>
+              <a:rPr lang="nl-BE" sz="2200" dirty="0"/>
+              <a:t> </a:t>
+            </a:r>
+            <a:r>
+              <a:rPr lang="nl-BE" sz="2200" dirty="0" err="1"/>
+              <a:t>the</a:t>
+            </a:r>
+            <a:r>
+              <a:rPr lang="nl-BE" sz="2200" dirty="0"/>
+              <a:t> rotor </a:t>
+            </a:r>
+            <a:r>
+              <a:rPr lang="nl-BE" sz="2200" dirty="0" err="1"/>
+              <a:t>averaged</a:t>
+            </a:r>
+            <a:r>
+              <a:rPr lang="nl-BE" sz="2200" dirty="0"/>
+              <a:t> wind speed = </a:t>
+            </a:r>
+            <a:r>
+              <a:rPr lang="nl-BE" sz="2200" dirty="0" err="1"/>
+              <a:t>the</a:t>
+            </a:r>
+            <a:r>
+              <a:rPr lang="nl-BE" sz="2200" dirty="0"/>
+              <a:t> </a:t>
+            </a:r>
+            <a:r>
+              <a:rPr lang="nl-BE" sz="2200" dirty="0" err="1"/>
+              <a:t>sum</a:t>
+            </a:r>
+            <a:r>
+              <a:rPr lang="nl-BE" sz="2200" dirty="0"/>
+              <a:t> of </a:t>
+            </a:r>
+            <a:r>
+              <a:rPr lang="nl-BE" sz="2200" dirty="0" err="1"/>
+              <a:t>the</a:t>
+            </a:r>
+            <a:r>
+              <a:rPr lang="nl-BE" sz="2200" dirty="0"/>
+              <a:t> </a:t>
+            </a:r>
+            <a:r>
+              <a:rPr lang="nl-BE" sz="2200" dirty="0" err="1"/>
+              <a:t>differences</a:t>
+            </a:r>
+            <a:r>
+              <a:rPr lang="nl-BE" sz="2200" dirty="0"/>
+              <a:t> at </a:t>
+            </a:r>
+            <a:r>
+              <a:rPr lang="nl-BE" sz="2200" dirty="0" err="1"/>
+              <a:t>each</a:t>
+            </a:r>
+            <a:r>
+              <a:rPr lang="nl-BE" sz="2200" dirty="0"/>
+              <a:t> </a:t>
+            </a:r>
+            <a:r>
+              <a:rPr lang="nl-BE" sz="2200" dirty="0" err="1"/>
+              <a:t>location</a:t>
+            </a:r>
+            <a:r>
+              <a:rPr lang="nl-BE" sz="2200" dirty="0"/>
+              <a:t>)</a:t>
+            </a:r>
+          </a:p>
+          <a:p>
+            <a:r>
+              <a:rPr lang="nl-BE" dirty="0"/>
+              <a:t> Full wake</a:t>
             </a:r>
             <a:br>
               <a:rPr lang="nl-BE" dirty="0"/>
@@ -4208,8 +4460,8 @@
         </p:blipFill>
         <p:spPr>
           <a:xfrm>
-            <a:off x="838200" y="1690688"/>
-            <a:ext cx="2686050" cy="2171700"/>
+            <a:off x="838200" y="1459344"/>
+            <a:ext cx="2274455" cy="1838921"/>
           </a:xfrm>
           <a:prstGeom prst="rect">
             <a:avLst/>
@@ -6761,8 +7013,8 @@
           </a:p>
         </p:txBody>
       </p:sp>
-      <mc:AlternateContent xmlns:mc="http://schemas.openxmlformats.org/markup-compatibility/2006" xmlns:a14="http://schemas.microsoft.com/office/drawing/2010/main">
-        <mc:Choice Requires="a14">
+      <mc:AlternateContent xmlns:mc="http://schemas.openxmlformats.org/markup-compatibility/2006">
+        <mc:Choice xmlns:a14="http://schemas.microsoft.com/office/drawing/2010/main" Requires="a14">
           <p:sp>
             <p:nvSpPr>
               <p:cNvPr id="7" name="Tijdelijke aanduiding voor inhoud 6">
@@ -6839,13 +7091,13 @@
                 </a:r>
                 <a:r>
                   <a:rPr lang="nl-BE" dirty="0"/>
-                  <a:t> 10 wind turbines)</a:t>
+                  <a:t> 13 wind turbines)</a:t>
                 </a:r>
               </a:p>
             </p:txBody>
           </p:sp>
         </mc:Choice>
-        <mc:Fallback xmlns="">
+        <mc:Fallback>
           <p:sp>
             <p:nvSpPr>
               <p:cNvPr id="7" name="Tijdelijke aanduiding voor inhoud 6">
@@ -7442,26 +7694,26 @@
           </a:p>
           <a:p>
             <a:r>
-              <a:rPr lang="nl-BE" dirty="0" err="1"/>
+              <a:rPr lang="nl-BE" strike="sngStrike" dirty="0" err="1"/>
               <a:t>Comparison</a:t>
             </a:r>
             <a:r>
-              <a:rPr lang="nl-BE" dirty="0"/>
+              <a:rPr lang="nl-BE" strike="sngStrike" dirty="0"/>
               <a:t> of power </a:t>
             </a:r>
             <a:r>
-              <a:rPr lang="nl-BE" dirty="0" err="1"/>
+              <a:rPr lang="nl-BE" strike="sngStrike" dirty="0" err="1"/>
               <a:t>for</a:t>
             </a:r>
             <a:r>
-              <a:rPr lang="nl-BE" dirty="0"/>
+              <a:rPr lang="nl-BE" strike="sngStrike" dirty="0"/>
               <a:t> </a:t>
             </a:r>
             <a:r>
-              <a:rPr lang="nl-BE" dirty="0" err="1"/>
+              <a:rPr lang="nl-BE" strike="sngStrike" dirty="0" err="1"/>
               <a:t>BEACon</a:t>
             </a:r>
-            <a:endParaRPr lang="nl-BE" dirty="0"/>
+            <a:endParaRPr lang="nl-BE" strike="sngStrike" dirty="0"/>
           </a:p>
           <a:p>
             <a:endParaRPr lang="nl-BE" dirty="0"/>
@@ -7488,7 +7740,7 @@
             </a:br>
             <a:r>
               <a:rPr lang="nl-BE" dirty="0"/>
-              <a:t>Green light meeting?</a:t>
+              <a:t>Green light?</a:t>
             </a:r>
           </a:p>
           <a:p>
@@ -7530,7 +7782,15 @@
           <a:p>
             <a:r>
               <a:rPr lang="nl-BE" dirty="0"/>
-              <a:t>Next meeting?</a:t>
+              <a:t>Next meeting? </a:t>
+            </a:r>
+            <a:r>
+              <a:rPr lang="nl-BE" dirty="0" err="1"/>
+              <a:t>Tue</a:t>
+            </a:r>
+            <a:r>
+              <a:rPr lang="nl-BE" dirty="0"/>
+              <a:t> 26/6 at 9:00 </a:t>
             </a:r>
           </a:p>
         </p:txBody>
@@ -7675,6 +7935,54 @@
           <a:p>
             <a:pPr lvl="1"/>
             <a:r>
+              <a:rPr lang="nl-BE" dirty="0" err="1">
+                <a:sym typeface="Wingdings" panose="05000000000000000000" pitchFamily="2" charset="2"/>
+              </a:rPr>
+              <a:t>Only</a:t>
+            </a:r>
+            <a:r>
+              <a:rPr lang="nl-BE" dirty="0">
+                <a:sym typeface="Wingdings" panose="05000000000000000000" pitchFamily="2" charset="2"/>
+              </a:rPr>
+              <a:t> 10 </a:t>
+            </a:r>
+            <a:r>
+              <a:rPr lang="nl-BE" dirty="0" err="1">
+                <a:sym typeface="Wingdings" panose="05000000000000000000" pitchFamily="2" charset="2"/>
+              </a:rPr>
+              <a:t>vertical</a:t>
+            </a:r>
+            <a:r>
+              <a:rPr lang="nl-BE" dirty="0">
+                <a:sym typeface="Wingdings" panose="05000000000000000000" pitchFamily="2" charset="2"/>
+              </a:rPr>
+              <a:t> </a:t>
+            </a:r>
+            <a:r>
+              <a:rPr lang="nl-BE" dirty="0" err="1">
+                <a:sym typeface="Wingdings" panose="05000000000000000000" pitchFamily="2" charset="2"/>
+              </a:rPr>
+              <a:t>planes</a:t>
+            </a:r>
+            <a:r>
+              <a:rPr lang="nl-BE" dirty="0">
+                <a:sym typeface="Wingdings" panose="05000000000000000000" pitchFamily="2" charset="2"/>
+              </a:rPr>
+              <a:t> </a:t>
+            </a:r>
+            <a:r>
+              <a:rPr lang="nl-BE" dirty="0" err="1">
+                <a:sym typeface="Wingdings" panose="05000000000000000000" pitchFamily="2" charset="2"/>
+              </a:rPr>
+              <a:t>available</a:t>
+            </a:r>
+            <a:endParaRPr lang="nl-BE" dirty="0">
+              <a:sym typeface="Wingdings" panose="05000000000000000000" pitchFamily="2" charset="2"/>
+            </a:endParaRPr>
+          </a:p>
+          <a:p>
+            <a:pPr lvl="1"/>
+            <a:r>
               <a:rPr lang="nl-BE" dirty="0"/>
               <a:t>Data </a:t>
             </a:r>
@@ -7873,14 +8181,25 @@
           <p:nvPr/>
         </p:nvPicPr>
         <p:blipFill>
-          <a:blip r:embed="rId2"/>
+          <a:blip r:embed="rId2">
+            <a:clrChange>
+              <a:clrFrom>
+                <a:srgbClr val="F0F0F0"/>
+              </a:clrFrom>
+              <a:clrTo>
+                <a:srgbClr val="F0F0F0">
+                  <a:alpha val="0"/>
+                </a:srgbClr>
+              </a:clrTo>
+            </a:clrChange>
+          </a:blip>
           <a:stretch>
             <a:fillRect/>
           </a:stretch>
         </p:blipFill>
         <p:spPr>
           <a:xfrm>
-            <a:off x="2428875" y="4001294"/>
+            <a:off x="3057525" y="4281338"/>
             <a:ext cx="6076950" cy="2571750"/>
           </a:xfrm>
           <a:prstGeom prst="rect">
@@ -7994,7 +8313,18 @@
           <p:nvPr/>
         </p:nvPicPr>
         <p:blipFill>
-          <a:blip r:embed="rId2"/>
+          <a:blip r:embed="rId2">
+            <a:clrChange>
+              <a:clrFrom>
+                <a:srgbClr val="F0F0F0"/>
+              </a:clrFrom>
+              <a:clrTo>
+                <a:srgbClr val="F0F0F0">
+                  <a:alpha val="0"/>
+                </a:srgbClr>
+              </a:clrTo>
+            </a:clrChange>
+          </a:blip>
           <a:stretch>
             <a:fillRect/>
           </a:stretch>
@@ -8047,7 +8377,7 @@
             </a:r>
             <a:r>
               <a:rPr lang="nl-BE" dirty="0"/>
-              <a:t> 16,2D downstream, +- 1,95 cross-stream)</a:t>
+              <a:t> 16,2D downstream, +- 1,95D cross-stream)</a:t>
             </a:r>
           </a:p>
         </p:txBody>
@@ -8067,7 +8397,18 @@
           <p:nvPr/>
         </p:nvPicPr>
         <p:blipFill>
-          <a:blip r:embed="rId3"/>
+          <a:blip r:embed="rId3">
+            <a:clrChange>
+              <a:clrFrom>
+                <a:srgbClr val="F0F0F0"/>
+              </a:clrFrom>
+              <a:clrTo>
+                <a:srgbClr val="F0F0F0">
+                  <a:alpha val="0"/>
+                </a:srgbClr>
+              </a:clrTo>
+            </a:clrChange>
+          </a:blip>
           <a:stretch>
             <a:fillRect/>
           </a:stretch>
@@ -8097,7 +8438,18 @@
           <p:nvPr/>
         </p:nvPicPr>
         <p:blipFill>
-          <a:blip r:embed="rId4"/>
+          <a:blip r:embed="rId4">
+            <a:clrChange>
+              <a:clrFrom>
+                <a:srgbClr val="F0F0F0"/>
+              </a:clrFrom>
+              <a:clrTo>
+                <a:srgbClr val="F0F0F0">
+                  <a:alpha val="0"/>
+                </a:srgbClr>
+              </a:clrTo>
+            </a:clrChange>
+          </a:blip>
           <a:stretch>
             <a:fillRect/>
           </a:stretch>
@@ -8211,31 +8563,6 @@
           </a:p>
         </p:txBody>
       </p:sp>
-      <p:sp>
-        <p:nvSpPr>
-          <p:cNvPr id="7" name="Tijdelijke aanduiding voor inhoud 6">
-            <a:extLst>
-              <a:ext uri="{FF2B5EF4-FFF2-40B4-BE49-F238E27FC236}">
-                <a16:creationId xmlns:a16="http://schemas.microsoft.com/office/drawing/2014/main" id="{2EF4DD90-A86F-4D5F-9CC3-1ABABB499697}"/>
-              </a:ext>
-            </a:extLst>
-          </p:cNvPr>
-          <p:cNvSpPr>
-            <a:spLocks noGrp="1"/>
-          </p:cNvSpPr>
-          <p:nvPr>
-            <p:ph idx="1"/>
-          </p:nvPr>
-        </p:nvSpPr>
-        <p:spPr/>
-        <p:txBody>
-          <a:bodyPr/>
-          <a:lstStyle/>
-          <a:p>
-            <a:endParaRPr lang="nl-BE" dirty="0"/>
-          </a:p>
-        </p:txBody>
-      </p:sp>
       <p:pic>
         <p:nvPicPr>
           <p:cNvPr id="8" name="Afbeelding 7">
@@ -8251,7 +8578,18 @@
           <p:nvPr/>
         </p:nvPicPr>
         <p:blipFill>
-          <a:blip r:embed="rId2"/>
+          <a:blip r:embed="rId2">
+            <a:clrChange>
+              <a:clrFrom>
+                <a:srgbClr val="F0F0F0"/>
+              </a:clrFrom>
+              <a:clrTo>
+                <a:srgbClr val="F0F0F0">
+                  <a:alpha val="0"/>
+                </a:srgbClr>
+              </a:clrTo>
+            </a:clrChange>
+          </a:blip>
           <a:stretch>
             <a:fillRect/>
           </a:stretch>
@@ -8675,31 +9013,6 @@
           </a:p>
         </p:txBody>
       </p:sp>
-      <p:sp>
-        <p:nvSpPr>
-          <p:cNvPr id="7" name="Tijdelijke aanduiding voor inhoud 6">
-            <a:extLst>
-              <a:ext uri="{FF2B5EF4-FFF2-40B4-BE49-F238E27FC236}">
-                <a16:creationId xmlns:a16="http://schemas.microsoft.com/office/drawing/2014/main" id="{0362EEC5-D5F7-4CD8-A2CD-E352AC4C5C47}"/>
-              </a:ext>
-            </a:extLst>
-          </p:cNvPr>
-          <p:cNvSpPr>
-            <a:spLocks noGrp="1"/>
-          </p:cNvSpPr>
-          <p:nvPr>
-            <p:ph idx="1"/>
-          </p:nvPr>
-        </p:nvSpPr>
-        <p:spPr/>
-        <p:txBody>
-          <a:bodyPr/>
-          <a:lstStyle/>
-          <a:p>
-            <a:endParaRPr lang="nl-BE"/>
-          </a:p>
-        </p:txBody>
-      </p:sp>
       <p:pic>
         <p:nvPicPr>
           <p:cNvPr id="6" name="Afbeelding 5">
@@ -8715,14 +9028,25 @@
           <p:nvPr/>
         </p:nvPicPr>
         <p:blipFill>
-          <a:blip r:embed="rId2"/>
+          <a:blip r:embed="rId2">
+            <a:clrChange>
+              <a:clrFrom>
+                <a:srgbClr val="F0F0F0"/>
+              </a:clrFrom>
+              <a:clrTo>
+                <a:srgbClr val="F0F0F0">
+                  <a:alpha val="0"/>
+                </a:srgbClr>
+              </a:clrTo>
+            </a:clrChange>
+          </a:blip>
           <a:stretch>
             <a:fillRect/>
           </a:stretch>
         </p:blipFill>
         <p:spPr>
           <a:xfrm>
-            <a:off x="0" y="1481964"/>
+            <a:off x="-64656" y="1690688"/>
             <a:ext cx="9743440" cy="5239511"/>
           </a:xfrm>
           <a:prstGeom prst="rect">
@@ -8745,14 +9069,25 @@
           <p:nvPr/>
         </p:nvPicPr>
         <p:blipFill>
-          <a:blip r:embed="rId3"/>
+          <a:blip r:embed="rId3">
+            <a:clrChange>
+              <a:clrFrom>
+                <a:srgbClr val="F0F0F0"/>
+              </a:clrFrom>
+              <a:clrTo>
+                <a:srgbClr val="F0F0F0">
+                  <a:alpha val="0"/>
+                </a:srgbClr>
+              </a:clrTo>
+            </a:clrChange>
+          </a:blip>
           <a:stretch>
             <a:fillRect/>
           </a:stretch>
         </p:blipFill>
         <p:spPr>
           <a:xfrm>
-            <a:off x="9201904" y="106045"/>
+            <a:off x="9257322" y="4448"/>
             <a:ext cx="2990096" cy="4470400"/>
           </a:xfrm>
           <a:prstGeom prst="rect">
@@ -8880,7 +9215,12 @@
             <p:ph type="title"/>
           </p:nvPr>
         </p:nvSpPr>
-        <p:spPr/>
+        <p:spPr>
+          <a:xfrm>
+            <a:off x="755073" y="-51782"/>
+            <a:ext cx="10515600" cy="1325563"/>
+          </a:xfrm>
+        </p:spPr>
         <p:txBody>
           <a:bodyPr>
             <a:normAutofit/>
@@ -8973,7 +9313,7 @@
         </p:blipFill>
         <p:spPr>
           <a:xfrm>
-            <a:off x="6924675" y="125558"/>
+            <a:off x="7684294" y="-114587"/>
             <a:ext cx="4595812" cy="1610373"/>
           </a:xfrm>
           <a:prstGeom prst="rect">
@@ -9014,8 +9354,8 @@
         </p:blipFill>
         <p:spPr>
           <a:xfrm>
-            <a:off x="1137637" y="1438891"/>
-            <a:ext cx="9916725" cy="5419109"/>
+            <a:off x="65475" y="1200406"/>
+            <a:ext cx="10353143" cy="5657594"/>
           </a:xfrm>
           <a:prstGeom prst="rect">
             <a:avLst/>
